--- a/esp32_hardware/software.pptx
+++ b/esp32_hardware/software.pptx
@@ -12103,12 +12103,8 @@
               <a:t>  </a:t>
             </a:r>
             <a:r>
-              <a:rPr lang="en-US" dirty="0" err="1"/>
-              <a:t>bên</a:t>
-            </a:r>
-            <a:r>
-              <a:rPr lang="en-US" dirty="0"/>
-              <a:t> </a:t>
+              <a:rPr lang="en-US"/>
+              <a:t>lên </a:t>
             </a:r>
             <a:r>
               <a:rPr lang="en-US" dirty="0" err="1"/>

--- a/esp32_hardware/software.pptx
+++ b/esp32_hardware/software.pptx
@@ -8626,11 +8626,23 @@
             </a:r>
             <a:r>
               <a:rPr lang="en-US" dirty="0"/>
-              <a:t> Telegram app </a:t>
-            </a:r>
-            <a:r>
-              <a:rPr lang="en-US" dirty="0" err="1"/>
-              <a:t>để</a:t>
+              <a:t> </a:t>
+            </a:r>
+            <a:r>
+              <a:rPr lang="en-US" dirty="0" err="1"/>
+              <a:t>ứng</a:t>
+            </a:r>
+            <a:r>
+              <a:rPr lang="en-US" dirty="0"/>
+              <a:t> </a:t>
+            </a:r>
+            <a:r>
+              <a:rPr lang="en-US" dirty="0" err="1"/>
+              <a:t>dụng</a:t>
+            </a:r>
+            <a:r>
+              <a:rPr lang="en-US"/>
+              <a:t> Telegram để</a:t>
             </a:r>
             <a:r>
               <a:rPr lang="en-US" dirty="0"/>
@@ -8690,15 +8702,7 @@
             </a:r>
             <a:r>
               <a:rPr lang="en-US" dirty="0"/>
-              <a:t> </a:t>
-            </a:r>
-            <a:r>
-              <a:rPr lang="en-US" dirty="0" err="1"/>
-              <a:t>tinh</a:t>
-            </a:r>
-            <a:r>
-              <a:rPr lang="en-US" dirty="0"/>
-              <a:t> </a:t>
+              <a:t> tin </a:t>
             </a:r>
             <a:r>
               <a:rPr lang="en-US" dirty="0" err="1"/>

--- a/esp32_hardware/software.pptx
+++ b/esp32_hardware/software.pptx
@@ -8641,8 +8641,12 @@
               <a:t>dụng</a:t>
             </a:r>
             <a:r>
-              <a:rPr lang="en-US"/>
-              <a:t> Telegram để</a:t>
+              <a:rPr lang="en-US" dirty="0"/>
+              <a:t> Telegram </a:t>
+            </a:r>
+            <a:r>
+              <a:rPr lang="en-US" dirty="0" err="1"/>
+              <a:t>để</a:t>
             </a:r>
             <a:r>
               <a:rPr lang="en-US" dirty="0"/>
@@ -9643,7 +9647,7 @@
         <p:spPr>
           <a:xfrm>
             <a:off x="559368" y="1064476"/>
-            <a:ext cx="8410433" cy="646331"/>
+            <a:ext cx="8410433" cy="2031325"/>
           </a:xfrm>
           <a:prstGeom prst="rect">
             <a:avLst/>
@@ -9698,6 +9702,47 @@
             <a:r>
               <a:rPr lang="en-US" dirty="0"/>
               <a:t>-Telegram: (+84) 0356148008</a:t>
+            </a:r>
+          </a:p>
+          <a:p>
+            <a:endParaRPr lang="en-US" dirty="0"/>
+          </a:p>
+          <a:p>
+            <a:endParaRPr lang="en-US" dirty="0"/>
+          </a:p>
+          <a:p>
+            <a:r>
+              <a:rPr lang="en-US" dirty="0"/>
+              <a:t>Demo:  </a:t>
+            </a:r>
+            <a:r>
+              <a:rPr lang="en-US" dirty="0">
+                <a:hlinkClick r:id="rId5"/>
+              </a:rPr>
+              <a:t>https://telua.co/aiot</a:t>
+            </a:r>
+            <a:r>
+              <a:rPr lang="en-US" dirty="0"/>
+              <a:t> </a:t>
+            </a:r>
+          </a:p>
+          <a:p>
+            <a:r>
+              <a:rPr lang="en-US" dirty="0"/>
+              <a:t>Email : </a:t>
+            </a:r>
+            <a:r>
+              <a:rPr lang="en-US" dirty="0">
+                <a:hlinkClick r:id="rId4"/>
+              </a:rPr>
+              <a:t>letrthong@gmail.com</a:t>
+            </a:r>
+            <a:endParaRPr lang="en-US" dirty="0"/>
+          </a:p>
+          <a:p>
+            <a:r>
+              <a:rPr lang="en-US" dirty="0"/>
+              <a:t>Pass:  12345678</a:t>
             </a:r>
           </a:p>
         </p:txBody>
